--- a/module-3/ppt/3.1-Intrusion Detection Systems.pptx
+++ b/module-3/ppt/3.1-Intrusion Detection Systems.pptx
@@ -6,7 +6,7 @@
     <p:sldMasterId id="2147483671" r:id="rId2"/>
   </p:sldMasterIdLst>
   <p:notesMasterIdLst>
-    <p:notesMasterId r:id="rId20"/>
+    <p:notesMasterId r:id="rId19"/>
   </p:notesMasterIdLst>
   <p:sldIdLst>
     <p:sldId id="2602" r:id="rId3"/>
@@ -25,7 +25,6 @@
     <p:sldId id="268" r:id="rId16"/>
     <p:sldId id="269" r:id="rId17"/>
     <p:sldId id="270" r:id="rId18"/>
-    <p:sldId id="2608" r:id="rId19"/>
   </p:sldIdLst>
   <p:sldSz cx="12192000" cy="6858000"/>
   <p:notesSz cx="6858000" cy="9144000"/>
@@ -4991,119 +4990,6 @@
     <p:extLst>
       <p:ext uri="{BB962C8B-B14F-4D97-AF65-F5344CB8AC3E}">
         <p14:creationId xmlns:p14="http://schemas.microsoft.com/office/powerpoint/2010/main" val="4115814697"/>
-      </p:ext>
-    </p:extLst>
-  </p:cSld>
-  <p:clrMapOvr>
-    <a:masterClrMapping/>
-  </p:clrMapOvr>
-</p:sld>
-</file>
-
-<file path=ppt/slides/slide17.xml><?xml version="1.0" encoding="utf-8"?>
-<p:sld xmlns:a="http://schemas.openxmlformats.org/drawingml/2006/main" xmlns:r="http://schemas.openxmlformats.org/officeDocument/2006/relationships" xmlns:p="http://schemas.openxmlformats.org/presentationml/2006/main">
-  <p:cSld>
-    <p:spTree>
-      <p:nvGrpSpPr>
-        <p:cNvPr id="1" name=""/>
-        <p:cNvGrpSpPr/>
-        <p:nvPr/>
-      </p:nvGrpSpPr>
-      <p:grpSpPr>
-        <a:xfrm>
-          <a:off x="0" y="0"/>
-          <a:ext cx="0" cy="0"/>
-          <a:chOff x="0" y="0"/>
-          <a:chExt cx="0" cy="0"/>
-        </a:xfrm>
-      </p:grpSpPr>
-      <p:sp>
-        <p:nvSpPr>
-          <p:cNvPr id="3" name="Title 2">
-            <a:extLst>
-              <a:ext uri="{FF2B5EF4-FFF2-40B4-BE49-F238E27FC236}">
-                <a16:creationId xmlns:a16="http://schemas.microsoft.com/office/drawing/2014/main" id="{0222242B-B691-304A-B52D-5B4E075F760F}"/>
-              </a:ext>
-            </a:extLst>
-          </p:cNvPr>
-          <p:cNvSpPr>
-            <a:spLocks noGrp="1"/>
-          </p:cNvSpPr>
-          <p:nvPr>
-            <p:ph type="title"/>
-          </p:nvPr>
-        </p:nvSpPr>
-        <p:spPr/>
-        <p:txBody>
-          <a:bodyPr/>
-          <a:lstStyle/>
-          <a:p>
-            <a:r>
-              <a:rPr lang="en-US" dirty="0"/>
-              <a:t>Learning Objectives</a:t>
-            </a:r>
-          </a:p>
-        </p:txBody>
-      </p:sp>
-      <p:sp>
-        <p:nvSpPr>
-          <p:cNvPr id="4" name="Content Placeholder 3">
-            <a:extLst>
-              <a:ext uri="{FF2B5EF4-FFF2-40B4-BE49-F238E27FC236}">
-                <a16:creationId xmlns:a16="http://schemas.microsoft.com/office/drawing/2014/main" id="{77FFC429-6A4C-BF40-9A71-BE3BD84EA317}"/>
-              </a:ext>
-            </a:extLst>
-          </p:cNvPr>
-          <p:cNvSpPr>
-            <a:spLocks noGrp="1"/>
-          </p:cNvSpPr>
-          <p:nvPr>
-            <p:ph idx="1"/>
-          </p:nvPr>
-        </p:nvSpPr>
-        <p:spPr/>
-        <p:txBody>
-          <a:bodyPr>
-            <a:normAutofit/>
-          </a:bodyPr>
-          <a:lstStyle/>
-          <a:p>
-            <a:r>
-              <a:rPr lang="en-US" dirty="0"/>
-              <a:t>Describe the considerations and challenges around choosing how to represent network data for analysis and modeling</a:t>
-            </a:r>
-          </a:p>
-          <a:p>
-            <a:endParaRPr lang="en-US" dirty="0"/>
-          </a:p>
-          <a:p>
-            <a:r>
-              <a:rPr lang="en-US" dirty="0"/>
-              <a:t>Load network traffic that has been collected into </a:t>
-            </a:r>
-            <a:r>
-              <a:rPr lang="en-US"/>
-              <a:t>software libraries</a:t>
-            </a:r>
-          </a:p>
-          <a:p>
-            <a:endParaRPr lang="en-US" dirty="0"/>
-          </a:p>
-          <a:p>
-            <a:r>
-              <a:rPr lang="en-US" dirty="0"/>
-              <a:t>Represent your network data in ways that can be inputted into machine learning models</a:t>
-            </a:r>
-          </a:p>
-          <a:p>
-            <a:endParaRPr lang="en-US" sz="3600" dirty="0"/>
-          </a:p>
-        </p:txBody>
-      </p:sp>
-    </p:spTree>
-    <p:extLst>
-      <p:ext uri="{BB962C8B-B14F-4D97-AF65-F5344CB8AC3E}">
-        <p14:creationId xmlns:p14="http://schemas.microsoft.com/office/powerpoint/2010/main" val="1344382902"/>
       </p:ext>
     </p:extLst>
   </p:cSld>

--- a/module-3/ppt/3.1-Intrusion Detection Systems.pptx
+++ b/module-3/ppt/3.1-Intrusion Detection Systems.pptx
@@ -6,25 +6,27 @@
     <p:sldMasterId id="2147483671" r:id="rId2"/>
   </p:sldMasterIdLst>
   <p:notesMasterIdLst>
-    <p:notesMasterId r:id="rId19"/>
+    <p:notesMasterId r:id="rId21"/>
   </p:notesMasterIdLst>
   <p:sldIdLst>
     <p:sldId id="2602" r:id="rId3"/>
     <p:sldId id="330" r:id="rId4"/>
-    <p:sldId id="2612" r:id="rId5"/>
-    <p:sldId id="258" r:id="rId6"/>
-    <p:sldId id="259" r:id="rId7"/>
-    <p:sldId id="260" r:id="rId8"/>
-    <p:sldId id="261" r:id="rId9"/>
-    <p:sldId id="262" r:id="rId10"/>
-    <p:sldId id="263" r:id="rId11"/>
-    <p:sldId id="264" r:id="rId12"/>
-    <p:sldId id="265" r:id="rId13"/>
-    <p:sldId id="266" r:id="rId14"/>
-    <p:sldId id="267" r:id="rId15"/>
-    <p:sldId id="268" r:id="rId16"/>
-    <p:sldId id="269" r:id="rId17"/>
-    <p:sldId id="270" r:id="rId18"/>
+    <p:sldId id="2608" r:id="rId5"/>
+    <p:sldId id="2612" r:id="rId6"/>
+    <p:sldId id="258" r:id="rId7"/>
+    <p:sldId id="259" r:id="rId8"/>
+    <p:sldId id="260" r:id="rId9"/>
+    <p:sldId id="261" r:id="rId10"/>
+    <p:sldId id="262" r:id="rId11"/>
+    <p:sldId id="263" r:id="rId12"/>
+    <p:sldId id="264" r:id="rId13"/>
+    <p:sldId id="265" r:id="rId14"/>
+    <p:sldId id="266" r:id="rId15"/>
+    <p:sldId id="267" r:id="rId16"/>
+    <p:sldId id="268" r:id="rId17"/>
+    <p:sldId id="269" r:id="rId18"/>
+    <p:sldId id="270" r:id="rId19"/>
+    <p:sldId id="2613" r:id="rId20"/>
   </p:sldIdLst>
   <p:sldSz cx="12192000" cy="6858000"/>
   <p:notesSz cx="6858000" cy="9144000"/>
@@ -213,7 +215,7 @@
           <a:p>
             <a:fld id="{ECC93BED-D6B3-334D-9CE3-F2869B7E72EB}" type="datetimeFigureOut">
               <a:rPr lang="en-US" smtClean="0"/>
-              <a:t>11/23/20</a:t>
+              <a:t>11/30/20</a:t>
             </a:fld>
             <a:endParaRPr lang="en-US"/>
           </a:p>
@@ -517,7 +519,7 @@
             <a:fld id="{491E3FF9-9B43-9647-BF0C-5CD338DCE759}" type="slidenum">
               <a:rPr lang="en-US"/>
               <a:pPr/>
-              <a:t>6</a:t>
+              <a:t>7</a:t>
             </a:fld>
             <a:endParaRPr lang="en-US"/>
           </a:p>
@@ -686,7 +688,7 @@
             <a:fld id="{0C0E275E-A216-904D-9D69-19F31E9E9CDF}" type="slidenum">
               <a:rPr lang="en-US" smtClean="0"/>
               <a:pPr/>
-              <a:t>12</a:t>
+              <a:t>13</a:t>
             </a:fld>
             <a:endParaRPr lang="en-US"/>
           </a:p>
@@ -1676,7 +1678,7 @@
           <a:p>
             <a:fld id="{2AAA8945-93FC-CD4D-85EF-05021FBA20E6}" type="datetimeFigureOut">
               <a:rPr lang="en-US" smtClean="0"/>
-              <a:t>11/23/20</a:t>
+              <a:t>11/30/20</a:t>
             </a:fld>
             <a:endParaRPr lang="en-US"/>
           </a:p>
@@ -2185,7 +2187,7 @@
           <a:p>
             <a:fld id="{2AAA8945-93FC-CD4D-85EF-05021FBA20E6}" type="datetimeFigureOut">
               <a:rPr lang="en-US" smtClean="0"/>
-              <a:t>11/23/20</a:t>
+              <a:t>11/30/20</a:t>
             </a:fld>
             <a:endParaRPr lang="en-US"/>
           </a:p>
@@ -2298,7 +2300,7 @@
           <a:p>
             <a:fld id="{2AAA8945-93FC-CD4D-85EF-05021FBA20E6}" type="datetimeFigureOut">
               <a:rPr lang="en-US" smtClean="0"/>
-              <a:t>11/23/20</a:t>
+              <a:t>11/30/20</a:t>
             </a:fld>
             <a:endParaRPr lang="en-US"/>
           </a:p>
@@ -4574,6 +4576,113 @@
       </p:grpSpPr>
       <p:sp>
         <p:nvSpPr>
+          <p:cNvPr id="1709058" name="Rectangle 2"/>
+          <p:cNvSpPr>
+            <a:spLocks noGrp="1" noChangeArrowheads="1"/>
+          </p:cNvSpPr>
+          <p:nvPr>
+            <p:ph type="title"/>
+          </p:nvPr>
+        </p:nvSpPr>
+        <p:spPr/>
+        <p:txBody>
+          <a:bodyPr/>
+          <a:lstStyle/>
+          <a:p>
+            <a:r>
+              <a:rPr lang="en-US" dirty="0"/>
+              <a:t>Rule-based Systems</a:t>
+            </a:r>
+          </a:p>
+        </p:txBody>
+      </p:sp>
+      <p:sp>
+        <p:nvSpPr>
+          <p:cNvPr id="1709059" name="Rectangle 3"/>
+          <p:cNvSpPr>
+            <a:spLocks noGrp="1" noChangeArrowheads="1"/>
+          </p:cNvSpPr>
+          <p:nvPr>
+            <p:ph idx="1"/>
+          </p:nvPr>
+        </p:nvSpPr>
+        <p:spPr/>
+        <p:txBody>
+          <a:bodyPr>
+            <a:normAutofit/>
+          </a:bodyPr>
+          <a:lstStyle/>
+          <a:p>
+            <a:r>
+              <a:rPr lang="en-US" dirty="0"/>
+              <a:t>Monitor logs and network for behavior violating or matching static rules</a:t>
+            </a:r>
+            <a:br>
+              <a:rPr lang="en-US" dirty="0"/>
+            </a:br>
+            <a:endParaRPr lang="en-US" dirty="0"/>
+          </a:p>
+          <a:p>
+            <a:r>
+              <a:rPr lang="en-US" dirty="0"/>
+              <a:t>Require some knowledge of attack behaviors</a:t>
+            </a:r>
+          </a:p>
+          <a:p>
+            <a:endParaRPr lang="en-US" dirty="0"/>
+          </a:p>
+          <a:p>
+            <a:r>
+              <a:rPr lang="en-US" dirty="0"/>
+              <a:t>Less prone to false alarms</a:t>
+            </a:r>
+          </a:p>
+          <a:p>
+            <a:endParaRPr lang="en-US" dirty="0"/>
+          </a:p>
+          <a:p>
+            <a:r>
+              <a:rPr lang="en-US" dirty="0"/>
+              <a:t>Often combined with anomaly detectors </a:t>
+            </a:r>
+          </a:p>
+          <a:p>
+            <a:endParaRPr lang="en-US" dirty="0"/>
+          </a:p>
+        </p:txBody>
+      </p:sp>
+    </p:spTree>
+    <p:extLst>
+      <p:ext uri="{BB962C8B-B14F-4D97-AF65-F5344CB8AC3E}">
+        <p14:creationId xmlns:p14="http://schemas.microsoft.com/office/powerpoint/2010/main" val="3964811306"/>
+      </p:ext>
+    </p:extLst>
+  </p:cSld>
+  <p:clrMapOvr>
+    <a:masterClrMapping/>
+  </p:clrMapOvr>
+</p:sld>
+</file>
+
+<file path=ppt/slides/slide11.xml><?xml version="1.0" encoding="utf-8"?>
+<p:sld xmlns:a="http://schemas.openxmlformats.org/drawingml/2006/main" xmlns:r="http://schemas.openxmlformats.org/officeDocument/2006/relationships" xmlns:p="http://schemas.openxmlformats.org/presentationml/2006/main">
+  <p:cSld>
+    <p:spTree>
+      <p:nvGrpSpPr>
+        <p:cNvPr id="1" name=""/>
+        <p:cNvGrpSpPr/>
+        <p:nvPr/>
+      </p:nvGrpSpPr>
+      <p:grpSpPr>
+        <a:xfrm>
+          <a:off x="0" y="0"/>
+          <a:ext cx="0" cy="0"/>
+          <a:chOff x="0" y="0"/>
+          <a:chExt cx="0" cy="0"/>
+        </a:xfrm>
+      </p:grpSpPr>
+      <p:sp>
+        <p:nvSpPr>
           <p:cNvPr id="1712130" name="Rectangle 2"/>
           <p:cNvSpPr>
             <a:spLocks noGrp="1" noChangeArrowheads="1"/>
@@ -4675,7 +4784,7 @@
 </p:sld>
 </file>
 
-<file path=ppt/slides/slide11.xml><?xml version="1.0" encoding="utf-8"?>
+<file path=ppt/slides/slide12.xml><?xml version="1.0" encoding="utf-8"?>
 <p:sld xmlns:a="http://schemas.openxmlformats.org/drawingml/2006/main" xmlns:r="http://schemas.openxmlformats.org/officeDocument/2006/relationships" xmlns:p="http://schemas.openxmlformats.org/presentationml/2006/main">
   <p:cSld>
     <p:spTree>
@@ -4729,7 +4838,7 @@
 </p:sld>
 </file>
 
-<file path=ppt/slides/slide12.xml><?xml version="1.0" encoding="utf-8"?>
+<file path=ppt/slides/slide13.xml><?xml version="1.0" encoding="utf-8"?>
 <p:sld xmlns:a="http://schemas.openxmlformats.org/drawingml/2006/main" xmlns:r="http://schemas.openxmlformats.org/officeDocument/2006/relationships" xmlns:p="http://schemas.openxmlformats.org/presentationml/2006/main">
   <p:cSld>
     <p:spTree>
@@ -4783,7 +4892,7 @@
 </p:sld>
 </file>
 
-<file path=ppt/slides/slide13.xml><?xml version="1.0" encoding="utf-8"?>
+<file path=ppt/slides/slide14.xml><?xml version="1.0" encoding="utf-8"?>
 <p:sld xmlns:a="http://schemas.openxmlformats.org/drawingml/2006/main" xmlns:r="http://schemas.openxmlformats.org/officeDocument/2006/relationships" xmlns:p="http://schemas.openxmlformats.org/presentationml/2006/main">
   <p:cSld>
     <p:spTree>
@@ -4837,7 +4946,7 @@
 </p:sld>
 </file>
 
-<file path=ppt/slides/slide14.xml><?xml version="1.0" encoding="utf-8"?>
+<file path=ppt/slides/slide15.xml><?xml version="1.0" encoding="utf-8"?>
 <p:sld xmlns:a="http://schemas.openxmlformats.org/drawingml/2006/main" xmlns:r="http://schemas.openxmlformats.org/officeDocument/2006/relationships" xmlns:p="http://schemas.openxmlformats.org/presentationml/2006/main">
   <p:cSld>
     <p:spTree>
@@ -4891,7 +5000,7 @@
 </p:sld>
 </file>
 
-<file path=ppt/slides/slide15.xml><?xml version="1.0" encoding="utf-8"?>
+<file path=ppt/slides/slide16.xml><?xml version="1.0" encoding="utf-8"?>
 <p:sld xmlns:a="http://schemas.openxmlformats.org/drawingml/2006/main" xmlns:r="http://schemas.openxmlformats.org/officeDocument/2006/relationships" xmlns:p="http://schemas.openxmlformats.org/presentationml/2006/main">
   <p:cSld>
     <p:spTree>
@@ -4945,7 +5054,7 @@
 </p:sld>
 </file>
 
-<file path=ppt/slides/slide16.xml><?xml version="1.0" encoding="utf-8"?>
+<file path=ppt/slides/slide17.xml><?xml version="1.0" encoding="utf-8"?>
 <p:sld xmlns:a="http://schemas.openxmlformats.org/drawingml/2006/main" xmlns:r="http://schemas.openxmlformats.org/officeDocument/2006/relationships" xmlns:p="http://schemas.openxmlformats.org/presentationml/2006/main">
   <p:cSld>
     <p:spTree>
@@ -4999,6 +5108,109 @@
 </p:sld>
 </file>
 
+<file path=ppt/slides/slide18.xml><?xml version="1.0" encoding="utf-8"?>
+<p:sld xmlns:a="http://schemas.openxmlformats.org/drawingml/2006/main" xmlns:r="http://schemas.openxmlformats.org/officeDocument/2006/relationships" xmlns:p="http://schemas.openxmlformats.org/presentationml/2006/main">
+  <p:cSld>
+    <p:spTree>
+      <p:nvGrpSpPr>
+        <p:cNvPr id="1" name=""/>
+        <p:cNvGrpSpPr/>
+        <p:nvPr/>
+      </p:nvGrpSpPr>
+      <p:grpSpPr>
+        <a:xfrm>
+          <a:off x="0" y="0"/>
+          <a:ext cx="0" cy="0"/>
+          <a:chOff x="0" y="0"/>
+          <a:chExt cx="0" cy="0"/>
+        </a:xfrm>
+      </p:grpSpPr>
+      <p:sp>
+        <p:nvSpPr>
+          <p:cNvPr id="3" name="Title 2">
+            <a:extLst>
+              <a:ext uri="{FF2B5EF4-FFF2-40B4-BE49-F238E27FC236}">
+                <a16:creationId xmlns:a16="http://schemas.microsoft.com/office/drawing/2014/main" id="{6BC2541E-B027-D546-BC67-295DECE1A920}"/>
+              </a:ext>
+            </a:extLst>
+          </p:cNvPr>
+          <p:cNvSpPr>
+            <a:spLocks noGrp="1"/>
+          </p:cNvSpPr>
+          <p:nvPr>
+            <p:ph type="ctrTitle"/>
+          </p:nvPr>
+        </p:nvSpPr>
+        <p:spPr/>
+        <p:txBody>
+          <a:bodyPr/>
+          <a:lstStyle/>
+          <a:p>
+            <a:r>
+              <a:rPr lang="en-US" dirty="0"/>
+              <a:t>Demonstration:</a:t>
+            </a:r>
+            <a:br>
+              <a:rPr lang="en-US" dirty="0"/>
+            </a:br>
+            <a:r>
+              <a:rPr lang="en-US"/>
+              <a:t>Zeek</a:t>
+            </a:r>
+            <a:endParaRPr lang="en-US" dirty="0"/>
+          </a:p>
+        </p:txBody>
+      </p:sp>
+      <p:sp>
+        <p:nvSpPr>
+          <p:cNvPr id="2" name="Slide Number Placeholder 1">
+            <a:extLst>
+              <a:ext uri="{FF2B5EF4-FFF2-40B4-BE49-F238E27FC236}">
+                <a16:creationId xmlns:a16="http://schemas.microsoft.com/office/drawing/2014/main" id="{C662E3AF-0553-B74A-87BF-BFDAA5FA979C}"/>
+              </a:ext>
+            </a:extLst>
+          </p:cNvPr>
+          <p:cNvSpPr>
+            <a:spLocks noGrp="1"/>
+          </p:cNvSpPr>
+          <p:nvPr>
+            <p:ph type="sldNum" sz="quarter" idx="4294967295"/>
+          </p:nvPr>
+        </p:nvSpPr>
+        <p:spPr>
+          <a:xfrm>
+            <a:off x="9345613" y="6380163"/>
+            <a:ext cx="2846387" cy="365125"/>
+          </a:xfrm>
+          <a:prstGeom prst="rect">
+            <a:avLst/>
+          </a:prstGeom>
+        </p:spPr>
+        <p:txBody>
+          <a:bodyPr/>
+          <a:lstStyle/>
+          <a:p>
+            <a:fld id="{D7AA6054-60FB-8048-98AD-326CDDBBD22D}" type="slidenum">
+              <a:rPr lang="en-US" smtClean="0"/>
+              <a:t>18</a:t>
+            </a:fld>
+            <a:endParaRPr lang="en-US"/>
+          </a:p>
+        </p:txBody>
+      </p:sp>
+    </p:spTree>
+    <p:extLst>
+      <p:ext uri="{BB962C8B-B14F-4D97-AF65-F5344CB8AC3E}">
+        <p14:creationId xmlns:p14="http://schemas.microsoft.com/office/powerpoint/2010/main" val="1400799986"/>
+      </p:ext>
+    </p:extLst>
+  </p:cSld>
+  <p:clrMapOvr>
+    <a:masterClrMapping/>
+  </p:clrMapOvr>
+</p:sld>
+</file>
+
 <file path=ppt/slides/slide2.xml><?xml version="1.0" encoding="utf-8"?>
 <p:sld xmlns:a="http://schemas.openxmlformats.org/drawingml/2006/main" xmlns:r="http://schemas.openxmlformats.org/officeDocument/2006/relationships" xmlns:p="http://schemas.openxmlformats.org/presentationml/2006/main">
   <p:cSld>
@@ -5076,10 +5288,10 @@
       </p:grpSpPr>
       <p:sp>
         <p:nvSpPr>
-          <p:cNvPr id="5" name="Title 4">
+          <p:cNvPr id="3" name="Title 2">
             <a:extLst>
               <a:ext uri="{FF2B5EF4-FFF2-40B4-BE49-F238E27FC236}">
-                <a16:creationId xmlns:a16="http://schemas.microsoft.com/office/drawing/2014/main" id="{3C485A7A-6D4C-6449-95D3-D40C9E876BB6}"/>
+                <a16:creationId xmlns:a16="http://schemas.microsoft.com/office/drawing/2014/main" id="{0222242B-B691-304A-B52D-5B4E075F760F}"/>
               </a:ext>
             </a:extLst>
           </p:cNvPr>
@@ -5087,7 +5299,7 @@
             <a:spLocks noGrp="1"/>
           </p:cNvSpPr>
           <p:nvPr>
-            <p:ph type="ctrTitle"/>
+            <p:ph type="title"/>
           </p:nvPr>
         </p:nvSpPr>
         <p:spPr/>
@@ -5097,14 +5309,142 @@
           <a:p>
             <a:r>
               <a:rPr lang="en-US" dirty="0"/>
-              <a:t>INTRUSION</a:t>
-            </a:r>
-            <a:br>
-              <a:rPr lang="en-US" dirty="0"/>
-            </a:br>
-            <a:r>
-              <a:rPr lang="en-US" dirty="0"/>
-              <a:t>DETECTION</a:t>
+              <a:t>Learning Objectives</a:t>
+            </a:r>
+          </a:p>
+        </p:txBody>
+      </p:sp>
+      <p:sp>
+        <p:nvSpPr>
+          <p:cNvPr id="4" name="Content Placeholder 3">
+            <a:extLst>
+              <a:ext uri="{FF2B5EF4-FFF2-40B4-BE49-F238E27FC236}">
+                <a16:creationId xmlns:a16="http://schemas.microsoft.com/office/drawing/2014/main" id="{77FFC429-6A4C-BF40-9A71-BE3BD84EA317}"/>
+              </a:ext>
+            </a:extLst>
+          </p:cNvPr>
+          <p:cNvSpPr>
+            <a:spLocks noGrp="1"/>
+          </p:cNvSpPr>
+          <p:nvPr>
+            <p:ph idx="1"/>
+          </p:nvPr>
+        </p:nvSpPr>
+        <p:spPr/>
+        <p:txBody>
+          <a:bodyPr>
+            <a:normAutofit/>
+          </a:bodyPr>
+          <a:lstStyle/>
+          <a:p>
+            <a:r>
+              <a:rPr lang="en-US" dirty="0"/>
+              <a:t>Learn about the difference between signature-based and anomaly-based detection</a:t>
+            </a:r>
+          </a:p>
+          <a:p>
+            <a:endParaRPr lang="en-US" dirty="0"/>
+          </a:p>
+          <a:p>
+            <a:r>
+              <a:rPr lang="en-US" dirty="0"/>
+              <a:t>Learn about different types of intrusion detection systems</a:t>
+            </a:r>
+          </a:p>
+          <a:p>
+            <a:endParaRPr lang="en-US" dirty="0"/>
+          </a:p>
+          <a:p>
+            <a:r>
+              <a:rPr lang="en-US" dirty="0"/>
+              <a:t>Learn about different modern intrusion detection systems (</a:t>
+            </a:r>
+            <a:r>
+              <a:rPr lang="en-US" dirty="0" err="1"/>
+              <a:t>Zeek</a:t>
+            </a:r>
+            <a:r>
+              <a:rPr lang="en-US" dirty="0"/>
+              <a:t>, Snort, etc.) and how they can be applied to attack </a:t>
+            </a:r>
+            <a:r>
+              <a:rPr lang="en-US"/>
+              <a:t>detection.</a:t>
+            </a:r>
+            <a:endParaRPr lang="en-US" dirty="0"/>
+          </a:p>
+          <a:p>
+            <a:endParaRPr lang="en-US" dirty="0"/>
+          </a:p>
+          <a:p>
+            <a:endParaRPr lang="en-US" dirty="0"/>
+          </a:p>
+        </p:txBody>
+      </p:sp>
+      <p:sp>
+        <p:nvSpPr>
+          <p:cNvPr id="2" name="Rectangle 1">
+            <a:extLst>
+              <a:ext uri="{FF2B5EF4-FFF2-40B4-BE49-F238E27FC236}">
+                <a16:creationId xmlns:a16="http://schemas.microsoft.com/office/drawing/2014/main" id="{7FC24F19-3DD5-5C43-BEA4-9301D7067CC3}"/>
+              </a:ext>
+            </a:extLst>
+          </p:cNvPr>
+          <p:cNvSpPr/>
+          <p:nvPr/>
+        </p:nvSpPr>
+        <p:spPr>
+          <a:xfrm>
+            <a:off x="5971607" y="3244334"/>
+            <a:ext cx="248786" cy="369332"/>
+          </a:xfrm>
+          <a:prstGeom prst="rect">
+            <a:avLst/>
+          </a:prstGeom>
+        </p:spPr>
+        <p:txBody>
+          <a:bodyPr wrap="none">
+            <a:spAutoFit/>
+          </a:bodyPr>
+          <a:lstStyle/>
+          <a:p>
+            <a:r>
+              <a:rPr lang="en-US" dirty="0"/>
+              <a:t> </a:t>
+            </a:r>
+          </a:p>
+        </p:txBody>
+      </p:sp>
+      <p:sp>
+        <p:nvSpPr>
+          <p:cNvPr id="5" name="Rectangle 4">
+            <a:extLst>
+              <a:ext uri="{FF2B5EF4-FFF2-40B4-BE49-F238E27FC236}">
+                <a16:creationId xmlns:a16="http://schemas.microsoft.com/office/drawing/2014/main" id="{E0AAFE49-B8D5-2E4E-9003-78CF785F79E8}"/>
+              </a:ext>
+            </a:extLst>
+          </p:cNvPr>
+          <p:cNvSpPr/>
+          <p:nvPr/>
+        </p:nvSpPr>
+        <p:spPr>
+          <a:xfrm>
+            <a:off x="5971607" y="3244334"/>
+            <a:ext cx="248786" cy="369332"/>
+          </a:xfrm>
+          <a:prstGeom prst="rect">
+            <a:avLst/>
+          </a:prstGeom>
+        </p:spPr>
+        <p:txBody>
+          <a:bodyPr wrap="none">
+            <a:spAutoFit/>
+          </a:bodyPr>
+          <a:lstStyle/>
+          <a:p>
+            <a:r>
+              <a:rPr lang="en-US" dirty="0"/>
+              <a:t> </a:t>
             </a:r>
           </a:p>
         </p:txBody>
@@ -5112,7 +5452,7 @@
     </p:spTree>
     <p:extLst>
       <p:ext uri="{BB962C8B-B14F-4D97-AF65-F5344CB8AC3E}">
-        <p14:creationId xmlns:p14="http://schemas.microsoft.com/office/powerpoint/2010/main" val="256255322"/>
+        <p14:creationId xmlns:p14="http://schemas.microsoft.com/office/powerpoint/2010/main" val="2104364502"/>
       </p:ext>
     </p:extLst>
   </p:cSld>
@@ -5141,12 +5481,18 @@
       </p:grpSpPr>
       <p:sp>
         <p:nvSpPr>
-          <p:cNvPr id="1704962" name="Rectangle 2"/>
+          <p:cNvPr id="5" name="Title 4">
+            <a:extLst>
+              <a:ext uri="{FF2B5EF4-FFF2-40B4-BE49-F238E27FC236}">
+                <a16:creationId xmlns:a16="http://schemas.microsoft.com/office/drawing/2014/main" id="{3C485A7A-6D4C-6449-95D3-D40C9E876BB6}"/>
+              </a:ext>
+            </a:extLst>
+          </p:cNvPr>
           <p:cNvSpPr>
-            <a:spLocks noGrp="1" noChangeArrowheads="1"/>
+            <a:spLocks noGrp="1"/>
           </p:cNvSpPr>
           <p:nvPr>
-            <p:ph type="title"/>
+            <p:ph type="ctrTitle"/>
           </p:nvPr>
         </p:nvSpPr>
         <p:spPr/>
@@ -5156,78 +5502,14 @@
           <a:p>
             <a:r>
               <a:rPr lang="en-US" dirty="0"/>
-              <a:t>Intrusion Detection</a:t>
-            </a:r>
-          </a:p>
-        </p:txBody>
-      </p:sp>
-      <p:sp>
-        <p:nvSpPr>
-          <p:cNvPr id="1704963" name="Rectangle 3"/>
-          <p:cNvSpPr>
-            <a:spLocks noGrp="1" noChangeArrowheads="1"/>
-          </p:cNvSpPr>
-          <p:nvPr>
-            <p:ph idx="1"/>
-          </p:nvPr>
-        </p:nvSpPr>
-        <p:spPr/>
-        <p:txBody>
-          <a:bodyPr>
-            <a:normAutofit/>
-          </a:bodyPr>
-          <a:lstStyle/>
-          <a:p>
-            <a:r>
-              <a:rPr lang="en-US" dirty="0"/>
-              <a:t>“Burglar alarms for the network.”</a:t>
-            </a:r>
-          </a:p>
-          <a:p>
-            <a:r>
-              <a:rPr lang="en-US" b="1" dirty="0">
-                <a:solidFill>
-                  <a:srgbClr val="C0504D"/>
-                </a:solidFill>
-              </a:rPr>
-              <a:t>Idea: </a:t>
-            </a:r>
-            <a:r>
-              <a:rPr lang="en-US" dirty="0"/>
-              <a:t>make systems sensitive to threatening actions, and make them capable of alerting authorities when they notice anomalies</a:t>
-            </a:r>
-          </a:p>
-          <a:p>
-            <a:r>
-              <a:rPr lang="en-US" dirty="0"/>
-              <a:t>Necessarily post-hoc</a:t>
-            </a:r>
-          </a:p>
-          <a:p>
-            <a:r>
-              <a:rPr lang="en-US" dirty="0"/>
-              <a:t>Broad types</a:t>
-            </a:r>
-          </a:p>
-          <a:p>
-            <a:pPr lvl="1"/>
-            <a:r>
-              <a:rPr lang="en-US" dirty="0"/>
-              <a:t>Statistical analyzers (anomaly based)</a:t>
-            </a:r>
-          </a:p>
-          <a:p>
-            <a:pPr lvl="1"/>
-            <a:r>
-              <a:rPr lang="en-US" dirty="0"/>
-              <a:t>Rules-based systems, Attack-signature detectors (misuse)</a:t>
-            </a:r>
-          </a:p>
-          <a:p>
-            <a:pPr lvl="1"/>
-            <a:r>
-              <a:rPr lang="en-US" dirty="0"/>
-              <a:t>Others </a:t>
+              <a:t>INTRUSION</a:t>
+            </a:r>
+            <a:br>
+              <a:rPr lang="en-US" dirty="0"/>
+            </a:br>
+            <a:r>
+              <a:rPr lang="en-US" dirty="0"/>
+              <a:t>DETECTION</a:t>
             </a:r>
           </a:p>
         </p:txBody>
@@ -5235,7 +5517,7 @@
     </p:spTree>
     <p:extLst>
       <p:ext uri="{BB962C8B-B14F-4D97-AF65-F5344CB8AC3E}">
-        <p14:creationId xmlns:p14="http://schemas.microsoft.com/office/powerpoint/2010/main" val="1137547851"/>
+        <p14:creationId xmlns:p14="http://schemas.microsoft.com/office/powerpoint/2010/main" val="256255322"/>
       </p:ext>
     </p:extLst>
   </p:cSld>
@@ -5264,83 +5546,101 @@
       </p:grpSpPr>
       <p:sp>
         <p:nvSpPr>
-          <p:cNvPr id="1705986" name="Rectangle 2"/>
+          <p:cNvPr id="1704962" name="Rectangle 2"/>
           <p:cNvSpPr>
             <a:spLocks noGrp="1" noChangeArrowheads="1"/>
           </p:cNvSpPr>
           <p:nvPr>
-            <p:ph type="title" idx="4294967295"/>
+            <p:ph type="title"/>
           </p:nvPr>
         </p:nvSpPr>
-        <p:spPr>
-          <a:xfrm>
-            <a:off x="0" y="0"/>
-            <a:ext cx="10515600" cy="1325563"/>
-          </a:xfrm>
-        </p:spPr>
+        <p:spPr/>
         <p:txBody>
           <a:bodyPr/>
           <a:lstStyle/>
           <a:p>
             <a:r>
-              <a:rPr lang="en-US"/>
-              <a:t>Know Your Attacker</a:t>
-            </a:r>
-          </a:p>
-        </p:txBody>
-      </p:sp>
-      <p:sp>
-        <p:nvSpPr>
-          <p:cNvPr id="1705987" name="Rectangle 3"/>
+              <a:rPr lang="en-US" dirty="0"/>
+              <a:t>Intrusion Detection</a:t>
+            </a:r>
+          </a:p>
+        </p:txBody>
+      </p:sp>
+      <p:sp>
+        <p:nvSpPr>
+          <p:cNvPr id="1704963" name="Rectangle 3"/>
           <p:cNvSpPr>
             <a:spLocks noGrp="1" noChangeArrowheads="1"/>
           </p:cNvSpPr>
           <p:nvPr>
-            <p:ph idx="4294967295"/>
+            <p:ph idx="1"/>
           </p:nvPr>
         </p:nvSpPr>
-        <p:spPr>
-          <a:xfrm>
-            <a:off x="0" y="1543050"/>
-            <a:ext cx="10515600" cy="4157663"/>
-          </a:xfrm>
-        </p:spPr>
-        <p:txBody>
-          <a:bodyPr/>
+        <p:spPr/>
+        <p:txBody>
+          <a:bodyPr>
+            <a:normAutofit/>
+          </a:bodyPr>
           <a:lstStyle/>
           <a:p>
             <a:r>
-              <a:rPr lang="en-US"/>
-              <a:t>Most attackers run scripts to probe for vulnerabilities, then return later to exploit them </a:t>
-            </a:r>
-          </a:p>
-          <a:p>
-            <a:r>
-              <a:rPr lang="en-US"/>
-              <a:t>Probes tend to come in waves as new holes are discovered</a:t>
-            </a:r>
-          </a:p>
-          <a:p>
-            <a:r>
-              <a:rPr lang="en-US"/>
-              <a:t>Probes look very different than typical network use</a:t>
-            </a:r>
-          </a:p>
-          <a:p>
-            <a:r>
-              <a:rPr lang="en-US"/>
-              <a:t>Actual attack may come long after probe</a:t>
-            </a:r>
-          </a:p>
-          <a:p>
-            <a:endParaRPr lang="en-US"/>
+              <a:rPr lang="en-US" dirty="0"/>
+              <a:t>“Burglar alarms for the network.”</a:t>
+            </a:r>
+          </a:p>
+          <a:p>
+            <a:r>
+              <a:rPr lang="en-US" b="1" dirty="0">
+                <a:solidFill>
+                  <a:srgbClr val="C0504D"/>
+                </a:solidFill>
+              </a:rPr>
+              <a:t>Idea: </a:t>
+            </a:r>
+            <a:r>
+              <a:rPr lang="en-US" dirty="0"/>
+              <a:t>make systems sensitive to threatening actions, and make them capable of alerting authorities when they notice anomalies</a:t>
+            </a:r>
+          </a:p>
+          <a:p>
+            <a:r>
+              <a:rPr lang="en-US" dirty="0"/>
+              <a:t>Necessarily post-hoc</a:t>
+            </a:r>
+          </a:p>
+          <a:p>
+            <a:r>
+              <a:rPr lang="en-US" dirty="0"/>
+              <a:t>Broad types</a:t>
+            </a:r>
+          </a:p>
+          <a:p>
+            <a:pPr lvl="1"/>
+            <a:r>
+              <a:rPr lang="en-US" dirty="0"/>
+              <a:t>Statistical analyzers (anomaly based)</a:t>
+            </a:r>
+          </a:p>
+          <a:p>
+            <a:pPr lvl="1"/>
+            <a:r>
+              <a:rPr lang="en-US" dirty="0"/>
+              <a:t>Rules-based systems, Attack-signature detectors (misuse)</a:t>
+            </a:r>
+          </a:p>
+          <a:p>
+            <a:pPr lvl="1"/>
+            <a:r>
+              <a:rPr lang="en-US" dirty="0"/>
+              <a:t>Others </a:t>
+            </a:r>
           </a:p>
         </p:txBody>
       </p:sp>
     </p:spTree>
     <p:extLst>
       <p:ext uri="{BB962C8B-B14F-4D97-AF65-F5344CB8AC3E}">
-        <p14:creationId xmlns:p14="http://schemas.microsoft.com/office/powerpoint/2010/main" val="1803466470"/>
+        <p14:creationId xmlns:p14="http://schemas.microsoft.com/office/powerpoint/2010/main" val="1137547851"/>
       </p:ext>
     </p:extLst>
   </p:cSld>
@@ -5369,148 +5669,89 @@
       </p:grpSpPr>
       <p:sp>
         <p:nvSpPr>
-          <p:cNvPr id="1731586" name="Rectangle 2"/>
+          <p:cNvPr id="1705986" name="Rectangle 2"/>
           <p:cNvSpPr>
             <a:spLocks noGrp="1" noChangeArrowheads="1"/>
           </p:cNvSpPr>
           <p:nvPr>
-            <p:ph type="title"/>
+            <p:ph type="title" idx="4294967295"/>
           </p:nvPr>
         </p:nvSpPr>
-        <p:spPr/>
-        <p:txBody>
-          <a:bodyPr>
-            <a:normAutofit/>
-          </a:bodyPr>
+        <p:spPr>
+          <a:xfrm>
+            <a:off x="0" y="0"/>
+            <a:ext cx="10515600" cy="1325563"/>
+          </a:xfrm>
+        </p:spPr>
+        <p:txBody>
+          <a:bodyPr/>
           <a:lstStyle/>
           <a:p>
             <a:r>
-              <a:rPr lang="en-US" dirty="0"/>
-              <a:t>Types of Intrusion Detection</a:t>
-            </a:r>
-          </a:p>
-        </p:txBody>
-      </p:sp>
-      <p:sp>
-        <p:nvSpPr>
-          <p:cNvPr id="1731587" name="Rectangle 3"/>
+              <a:rPr lang="en-US"/>
+              <a:t>Know Your Attacker</a:t>
+            </a:r>
+          </a:p>
+        </p:txBody>
+      </p:sp>
+      <p:sp>
+        <p:nvSpPr>
+          <p:cNvPr id="1705987" name="Rectangle 3"/>
           <p:cNvSpPr>
             <a:spLocks noGrp="1" noChangeArrowheads="1"/>
           </p:cNvSpPr>
           <p:nvPr>
-            <p:ph idx="1"/>
+            <p:ph idx="4294967295"/>
           </p:nvPr>
         </p:nvSpPr>
-        <p:spPr/>
-        <p:txBody>
-          <a:bodyPr>
-            <a:normAutofit/>
-          </a:bodyPr>
+        <p:spPr>
+          <a:xfrm>
+            <a:off x="0" y="1543050"/>
+            <a:ext cx="10515600" cy="4157663"/>
+          </a:xfrm>
+        </p:spPr>
+        <p:txBody>
+          <a:bodyPr/>
           <a:lstStyle/>
           <a:p>
-            <a:pPr>
-              <a:lnSpc>
-                <a:spcPct val="90000"/>
-              </a:lnSpc>
-            </a:pPr>
-            <a:r>
-              <a:rPr lang="en-US" b="1" dirty="0"/>
-              <a:t>Signature-Based</a:t>
-            </a:r>
-          </a:p>
-          <a:p>
-            <a:pPr lvl="1">
-              <a:lnSpc>
-                <a:spcPct val="90000"/>
-              </a:lnSpc>
-            </a:pPr>
-            <a:r>
-              <a:rPr lang="en-US" dirty="0"/>
-              <a:t>define </a:t>
-            </a:r>
-            <a:r>
-              <a:rPr lang="en-US" i="1" dirty="0"/>
-              <a:t>“what is abnormal”</a:t>
-            </a:r>
-            <a:r>
-              <a:rPr lang="en-US" dirty="0"/>
-              <a:t> using attack signatures</a:t>
-            </a:r>
-          </a:p>
-          <a:p>
-            <a:pPr lvl="1">
-              <a:lnSpc>
-                <a:spcPct val="90000"/>
-              </a:lnSpc>
-            </a:pPr>
-            <a:r>
-              <a:rPr lang="en-US" dirty="0"/>
-              <a:t>traffic that matches an attack signature as attack traffic</a:t>
-            </a:r>
-          </a:p>
-          <a:p>
-            <a:pPr lvl="1">
-              <a:lnSpc>
-                <a:spcPct val="90000"/>
-              </a:lnSpc>
-            </a:pPr>
-            <a:endParaRPr lang="en-US" dirty="0"/>
-          </a:p>
-          <a:p>
-            <a:pPr>
-              <a:lnSpc>
-                <a:spcPct val="90000"/>
-              </a:lnSpc>
-            </a:pPr>
-            <a:r>
-              <a:rPr lang="en-US" b="1" dirty="0"/>
-              <a:t>Anomaly-Based</a:t>
-            </a:r>
-          </a:p>
-          <a:p>
-            <a:pPr lvl="1">
-              <a:lnSpc>
-                <a:spcPct val="90000"/>
-              </a:lnSpc>
-            </a:pPr>
-            <a:r>
-              <a:rPr lang="en-US" dirty="0"/>
-              <a:t>define </a:t>
-            </a:r>
-            <a:r>
-              <a:rPr lang="en-US" i="1" dirty="0"/>
-              <a:t>“what is normal”</a:t>
-            </a:r>
-            <a:r>
-              <a:rPr lang="en-US" dirty="0"/>
-              <a:t> using profiles</a:t>
-            </a:r>
-          </a:p>
-          <a:p>
-            <a:pPr lvl="1">
-              <a:lnSpc>
-                <a:spcPct val="90000"/>
-              </a:lnSpc>
-            </a:pPr>
-            <a:r>
-              <a:rPr lang="en-US" dirty="0"/>
-              <a:t>traffic that does not match the profile as abnormal</a:t>
-            </a:r>
-            <a:endParaRPr lang="en-US" sz="2000" b="1" dirty="0"/>
+            <a:r>
+              <a:rPr lang="en-US"/>
+              <a:t>Most attackers run scripts to probe for vulnerabilities, then return later to exploit them </a:t>
+            </a:r>
+          </a:p>
+          <a:p>
+            <a:r>
+              <a:rPr lang="en-US"/>
+              <a:t>Probes tend to come in waves as new holes are discovered</a:t>
+            </a:r>
+          </a:p>
+          <a:p>
+            <a:r>
+              <a:rPr lang="en-US"/>
+              <a:t>Probes look very different than typical network use</a:t>
+            </a:r>
+          </a:p>
+          <a:p>
+            <a:r>
+              <a:rPr lang="en-US"/>
+              <a:t>Actual attack may come long after probe</a:t>
+            </a:r>
+          </a:p>
+          <a:p>
+            <a:endParaRPr lang="en-US"/>
           </a:p>
         </p:txBody>
       </p:sp>
     </p:spTree>
     <p:extLst>
       <p:ext uri="{BB962C8B-B14F-4D97-AF65-F5344CB8AC3E}">
-        <p14:creationId xmlns:p14="http://schemas.microsoft.com/office/powerpoint/2010/main" val="1385340827"/>
+        <p14:creationId xmlns:p14="http://schemas.microsoft.com/office/powerpoint/2010/main" val="1803466470"/>
       </p:ext>
     </p:extLst>
   </p:cSld>
   <p:clrMapOvr>
     <a:masterClrMapping/>
   </p:clrMapOvr>
-  <p:transition spd="med"/>
 </p:sld>
 </file>
 
@@ -5533,7 +5774,7 @@
       </p:grpSpPr>
       <p:sp>
         <p:nvSpPr>
-          <p:cNvPr id="1707010" name="Rectangle 2"/>
+          <p:cNvPr id="1731586" name="Rectangle 2"/>
           <p:cNvSpPr>
             <a:spLocks noGrp="1" noChangeArrowheads="1"/>
           </p:cNvSpPr>
@@ -5543,22 +5784,21 @@
         </p:nvSpPr>
         <p:spPr/>
         <p:txBody>
-          <a:bodyPr/>
+          <a:bodyPr>
+            <a:normAutofit/>
+          </a:bodyPr>
           <a:lstStyle/>
           <a:p>
             <a:r>
-              <a:rPr lang="en-US" dirty="0">
-                <a:ea typeface="Times New Roman" pitchFamily="-84" charset="0"/>
-                <a:cs typeface="Times New Roman" pitchFamily="-84" charset="0"/>
-              </a:rPr>
-              <a:t>Simple IDS</a:t>
-            </a:r>
-          </a:p>
-        </p:txBody>
-      </p:sp>
-      <p:sp>
-        <p:nvSpPr>
-          <p:cNvPr id="1707011" name="Rectangle 3"/>
+              <a:rPr lang="en-US" dirty="0"/>
+              <a:t>Types of Intrusion Detection</a:t>
+            </a:r>
+          </a:p>
+        </p:txBody>
+      </p:sp>
+      <p:sp>
+        <p:nvSpPr>
+          <p:cNvPr id="1731587" name="Rectangle 3"/>
           <p:cNvSpPr>
             <a:spLocks noGrp="1" noChangeArrowheads="1"/>
           </p:cNvSpPr>
@@ -5568,162 +5808,10 @@
         </p:nvSpPr>
         <p:spPr/>
         <p:txBody>
-          <a:bodyPr/>
+          <a:bodyPr>
+            <a:normAutofit/>
+          </a:bodyPr>
           <a:lstStyle/>
-          <a:p>
-            <a:pPr>
-              <a:lnSpc>
-                <a:spcPct val="90000"/>
-              </a:lnSpc>
-              <a:buFont typeface="Wingdings" pitchFamily="-84" charset="2"/>
-              <a:buNone/>
-            </a:pPr>
-            <a:r>
-              <a:rPr lang="en-US" sz="1800" dirty="0">
-                <a:latin typeface="Courier New"/>
-                <a:ea typeface="Times New Roman" pitchFamily="-84" charset="0"/>
-                <a:cs typeface="Courier New"/>
-              </a:rPr>
-              <a:t>v=listen(frequently-exploited-unused-port);</a:t>
-            </a:r>
-          </a:p>
-          <a:p>
-            <a:pPr>
-              <a:lnSpc>
-                <a:spcPct val="90000"/>
-              </a:lnSpc>
-              <a:buFont typeface="Wingdings" pitchFamily="-84" charset="2"/>
-              <a:buNone/>
-            </a:pPr>
-            <a:r>
-              <a:rPr lang="en-US" sz="1800" dirty="0">
-                <a:latin typeface="Courier New"/>
-                <a:ea typeface="Times New Roman" pitchFamily="-84" charset="0"/>
-                <a:cs typeface="Courier New"/>
-              </a:rPr>
-              <a:t>while(1) {</a:t>
-            </a:r>
-          </a:p>
-          <a:p>
-            <a:pPr lvl="1">
-              <a:lnSpc>
-                <a:spcPct val="90000"/>
-              </a:lnSpc>
-              <a:buFont typeface="Wingdings" pitchFamily="-84" charset="2"/>
-              <a:buNone/>
-            </a:pPr>
-            <a:r>
-              <a:rPr lang="en-US" sz="1600" dirty="0">
-                <a:latin typeface="Courier New"/>
-                <a:ea typeface="Times New Roman" pitchFamily="-84" charset="0"/>
-                <a:cs typeface="Courier New"/>
-              </a:rPr>
-              <a:t>s=accept(v, who, </a:t>
-            </a:r>
-            <a:r>
-              <a:rPr lang="en-US" sz="1600" dirty="0" err="1">
-                <a:latin typeface="Courier New"/>
-                <a:ea typeface="Times New Roman" pitchFamily="-84" charset="0"/>
-                <a:cs typeface="Courier New"/>
-              </a:rPr>
-              <a:t>howbig</a:t>
-            </a:r>
-            <a:r>
-              <a:rPr lang="en-US" sz="1600" dirty="0">
-                <a:latin typeface="Courier New"/>
-                <a:ea typeface="Times New Roman" pitchFamily="-84" charset="0"/>
-                <a:cs typeface="Courier New"/>
-              </a:rPr>
-              <a:t>);</a:t>
-            </a:r>
-          </a:p>
-          <a:p>
-            <a:pPr lvl="1">
-              <a:lnSpc>
-                <a:spcPct val="90000"/>
-              </a:lnSpc>
-              <a:buFont typeface="Wingdings" pitchFamily="-84" charset="2"/>
-              <a:buNone/>
-            </a:pPr>
-            <a:r>
-              <a:rPr lang="en-US" sz="1600" dirty="0" err="1">
-                <a:latin typeface="Courier New"/>
-                <a:ea typeface="Times New Roman" pitchFamily="-84" charset="0"/>
-                <a:cs typeface="Courier New"/>
-              </a:rPr>
-              <a:t>notify_the_authorities</a:t>
-            </a:r>
-            <a:r>
-              <a:rPr lang="en-US" sz="1600" dirty="0">
-                <a:latin typeface="Courier New"/>
-                <a:ea typeface="Times New Roman" pitchFamily="-84" charset="0"/>
-                <a:cs typeface="Courier New"/>
-              </a:rPr>
-              <a:t>(s, who, </a:t>
-            </a:r>
-            <a:r>
-              <a:rPr lang="en-US" sz="1600" dirty="0" err="1">
-                <a:latin typeface="Courier New"/>
-                <a:ea typeface="Times New Roman" pitchFamily="-84" charset="0"/>
-                <a:cs typeface="Courier New"/>
-              </a:rPr>
-              <a:t>howbig</a:t>
-            </a:r>
-            <a:r>
-              <a:rPr lang="en-US" sz="1600" dirty="0">
-                <a:latin typeface="Courier New"/>
-                <a:ea typeface="Times New Roman" pitchFamily="-84" charset="0"/>
-                <a:cs typeface="Courier New"/>
-              </a:rPr>
-              <a:t>);</a:t>
-            </a:r>
-          </a:p>
-          <a:p>
-            <a:pPr lvl="1">
-              <a:lnSpc>
-                <a:spcPct val="90000"/>
-              </a:lnSpc>
-              <a:buFont typeface="Wingdings" pitchFamily="-84" charset="2"/>
-              <a:buNone/>
-            </a:pPr>
-            <a:r>
-              <a:rPr lang="en-US" sz="1600" dirty="0">
-                <a:latin typeface="Courier New"/>
-                <a:ea typeface="Times New Roman" pitchFamily="-84" charset="0"/>
-                <a:cs typeface="Courier New"/>
-              </a:rPr>
-              <a:t>close(s);</a:t>
-            </a:r>
-          </a:p>
-          <a:p>
-            <a:pPr>
-              <a:lnSpc>
-                <a:spcPct val="90000"/>
-              </a:lnSpc>
-              <a:buFont typeface="Wingdings" pitchFamily="-84" charset="2"/>
-              <a:buNone/>
-            </a:pPr>
-            <a:r>
-              <a:rPr lang="en-US" sz="1800" dirty="0">
-                <a:latin typeface="Courier New"/>
-                <a:ea typeface="Times New Roman" pitchFamily="-84" charset="0"/>
-                <a:cs typeface="Courier New"/>
-              </a:rPr>
-              <a:t>}</a:t>
-            </a:r>
-            <a:br>
-              <a:rPr lang="en-US" sz="1800" dirty="0">
-                <a:latin typeface="Courier New"/>
-                <a:ea typeface="Times New Roman" pitchFamily="-84" charset="0"/>
-                <a:cs typeface="Courier New"/>
-              </a:rPr>
-            </a:br>
-            <a:endParaRPr lang="en-US" sz="1800" dirty="0">
-              <a:latin typeface="Courier New"/>
-              <a:ea typeface="Times New Roman" pitchFamily="-84" charset="0"/>
-              <a:cs typeface="Courier New"/>
-            </a:endParaRPr>
-          </a:p>
           <a:p>
             <a:pPr>
               <a:lnSpc>
@@ -5731,12 +5819,47 @@
               </a:lnSpc>
             </a:pPr>
             <a:r>
-              <a:rPr lang="en-US" sz="2400" dirty="0">
-                <a:ea typeface="Times New Roman" pitchFamily="-84" charset="0"/>
-                <a:cs typeface="Times New Roman" pitchFamily="-84" charset="0"/>
-              </a:rPr>
-              <a:t>This won’t catch stealth scanners</a:t>
-            </a:r>
+              <a:rPr lang="en-US" b="1" dirty="0"/>
+              <a:t>Signature-Based</a:t>
+            </a:r>
+          </a:p>
+          <a:p>
+            <a:pPr lvl="1">
+              <a:lnSpc>
+                <a:spcPct val="90000"/>
+              </a:lnSpc>
+            </a:pPr>
+            <a:r>
+              <a:rPr lang="en-US" dirty="0"/>
+              <a:t>define </a:t>
+            </a:r>
+            <a:r>
+              <a:rPr lang="en-US" i="1" dirty="0"/>
+              <a:t>“what is abnormal”</a:t>
+            </a:r>
+            <a:r>
+              <a:rPr lang="en-US" dirty="0"/>
+              <a:t> using attack signatures</a:t>
+            </a:r>
+          </a:p>
+          <a:p>
+            <a:pPr lvl="1">
+              <a:lnSpc>
+                <a:spcPct val="90000"/>
+              </a:lnSpc>
+            </a:pPr>
+            <a:r>
+              <a:rPr lang="en-US" dirty="0"/>
+              <a:t>traffic that matches an attack signature as attack traffic</a:t>
+            </a:r>
+          </a:p>
+          <a:p>
+            <a:pPr lvl="1">
+              <a:lnSpc>
+                <a:spcPct val="90000"/>
+              </a:lnSpc>
+            </a:pPr>
+            <a:endParaRPr lang="en-US" dirty="0"/>
           </a:p>
           <a:p>
             <a:pPr>
@@ -5745,57 +5868,54 @@
               </a:lnSpc>
             </a:pPr>
             <a:r>
-              <a:rPr lang="en-US" sz="2400" dirty="0">
-                <a:ea typeface="Times New Roman" pitchFamily="-84" charset="0"/>
-                <a:cs typeface="Times New Roman" pitchFamily="-84" charset="0"/>
-              </a:rPr>
-              <a:t>Doesn’t have a global view</a:t>
-            </a:r>
-          </a:p>
-          <a:p>
-            <a:pPr>
+              <a:rPr lang="en-US" b="1" dirty="0"/>
+              <a:t>Anomaly-Based</a:t>
+            </a:r>
+          </a:p>
+          <a:p>
+            <a:pPr lvl="1">
               <a:lnSpc>
                 <a:spcPct val="90000"/>
               </a:lnSpc>
             </a:pPr>
             <a:r>
-              <a:rPr lang="en-US" sz="2400" dirty="0">
-                <a:ea typeface="Times New Roman" pitchFamily="-84" charset="0"/>
-                <a:cs typeface="Times New Roman" pitchFamily="-84" charset="0"/>
-              </a:rPr>
-              <a:t>Can’t detect attacks on systems in use</a:t>
-            </a:r>
-          </a:p>
-          <a:p>
-            <a:pPr>
+              <a:rPr lang="en-US" dirty="0"/>
+              <a:t>define </a:t>
+            </a:r>
+            <a:r>
+              <a:rPr lang="en-US" i="1" dirty="0"/>
+              <a:t>“what is normal”</a:t>
+            </a:r>
+            <a:r>
+              <a:rPr lang="en-US" dirty="0"/>
+              <a:t> using profiles</a:t>
+            </a:r>
+          </a:p>
+          <a:p>
+            <a:pPr lvl="1">
               <a:lnSpc>
                 <a:spcPct val="90000"/>
               </a:lnSpc>
             </a:pPr>
             <a:r>
-              <a:rPr lang="en-US" sz="2400" dirty="0">
-                <a:ea typeface="Times New Roman" pitchFamily="-84" charset="0"/>
-                <a:cs typeface="Times New Roman" pitchFamily="-84" charset="0"/>
-              </a:rPr>
-              <a:t>Surprisingly effective at catching scans nonetheless</a:t>
-            </a:r>
-            <a:r>
-              <a:rPr lang="en-US" sz="2400" dirty="0"/>
-              <a:t> </a:t>
-            </a:r>
+              <a:rPr lang="en-US" dirty="0"/>
+              <a:t>traffic that does not match the profile as abnormal</a:t>
+            </a:r>
+            <a:endParaRPr lang="en-US" sz="2000" b="1" dirty="0"/>
           </a:p>
         </p:txBody>
       </p:sp>
     </p:spTree>
     <p:extLst>
       <p:ext uri="{BB962C8B-B14F-4D97-AF65-F5344CB8AC3E}">
-        <p14:creationId xmlns:p14="http://schemas.microsoft.com/office/powerpoint/2010/main" val="3969572435"/>
+        <p14:creationId xmlns:p14="http://schemas.microsoft.com/office/powerpoint/2010/main" val="1385340827"/>
       </p:ext>
     </p:extLst>
   </p:cSld>
   <p:clrMapOvr>
     <a:masterClrMapping/>
   </p:clrMapOvr>
+  <p:transition spd="med"/>
 </p:sld>
 </file>
 
@@ -5818,7 +5938,7 @@
       </p:grpSpPr>
       <p:sp>
         <p:nvSpPr>
-          <p:cNvPr id="1708034" name="Rectangle 2"/>
+          <p:cNvPr id="1707010" name="Rectangle 2"/>
           <p:cNvSpPr>
             <a:spLocks noGrp="1" noChangeArrowheads="1"/>
           </p:cNvSpPr>
@@ -5836,14 +5956,14 @@
                 <a:ea typeface="Times New Roman" pitchFamily="-84" charset="0"/>
                 <a:cs typeface="Times New Roman" pitchFamily="-84" charset="0"/>
               </a:rPr>
-              <a:t>Statistical Analysis</a:t>
-            </a:r>
-          </a:p>
-        </p:txBody>
-      </p:sp>
-      <p:sp>
-        <p:nvSpPr>
-          <p:cNvPr id="1708035" name="Rectangle 3"/>
+              <a:t>Simple IDS</a:t>
+            </a:r>
+          </a:p>
+        </p:txBody>
+      </p:sp>
+      <p:sp>
+        <p:nvSpPr>
+          <p:cNvPr id="1707011" name="Rectangle 3"/>
           <p:cNvSpPr>
             <a:spLocks noGrp="1" noChangeArrowheads="1"/>
           </p:cNvSpPr>
@@ -5853,63 +5973,220 @@
         </p:nvSpPr>
         <p:spPr/>
         <p:txBody>
-          <a:bodyPr>
-            <a:normAutofit/>
-          </a:bodyPr>
+          <a:bodyPr/>
           <a:lstStyle/>
           <a:p>
-            <a:r>
-              <a:rPr lang="en-US" dirty="0">
+            <a:pPr>
+              <a:lnSpc>
+                <a:spcPct val="90000"/>
+              </a:lnSpc>
+              <a:buFont typeface="Wingdings" pitchFamily="-84" charset="2"/>
+              <a:buNone/>
+            </a:pPr>
+            <a:r>
+              <a:rPr lang="en-US" sz="1800" dirty="0">
+                <a:latin typeface="Courier New"/>
+                <a:ea typeface="Times New Roman" pitchFamily="-84" charset="0"/>
+                <a:cs typeface="Courier New"/>
+              </a:rPr>
+              <a:t>v=listen(frequently-exploited-unused-port);</a:t>
+            </a:r>
+          </a:p>
+          <a:p>
+            <a:pPr>
+              <a:lnSpc>
+                <a:spcPct val="90000"/>
+              </a:lnSpc>
+              <a:buFont typeface="Wingdings" pitchFamily="-84" charset="2"/>
+              <a:buNone/>
+            </a:pPr>
+            <a:r>
+              <a:rPr lang="en-US" sz="1800" dirty="0">
+                <a:latin typeface="Courier New"/>
+                <a:ea typeface="Times New Roman" pitchFamily="-84" charset="0"/>
+                <a:cs typeface="Courier New"/>
+              </a:rPr>
+              <a:t>while(1) {</a:t>
+            </a:r>
+          </a:p>
+          <a:p>
+            <a:pPr lvl="1">
+              <a:lnSpc>
+                <a:spcPct val="90000"/>
+              </a:lnSpc>
+              <a:buFont typeface="Wingdings" pitchFamily="-84" charset="2"/>
+              <a:buNone/>
+            </a:pPr>
+            <a:r>
+              <a:rPr lang="en-US" sz="1600" dirty="0">
+                <a:latin typeface="Courier New"/>
+                <a:ea typeface="Times New Roman" pitchFamily="-84" charset="0"/>
+                <a:cs typeface="Courier New"/>
+              </a:rPr>
+              <a:t>s=accept(v, who, </a:t>
+            </a:r>
+            <a:r>
+              <a:rPr lang="en-US" sz="1600" dirty="0" err="1">
+                <a:latin typeface="Courier New"/>
+                <a:ea typeface="Times New Roman" pitchFamily="-84" charset="0"/>
+                <a:cs typeface="Courier New"/>
+              </a:rPr>
+              <a:t>howbig</a:t>
+            </a:r>
+            <a:r>
+              <a:rPr lang="en-US" sz="1600" dirty="0">
+                <a:latin typeface="Courier New"/>
+                <a:ea typeface="Times New Roman" pitchFamily="-84" charset="0"/>
+                <a:cs typeface="Courier New"/>
+              </a:rPr>
+              <a:t>);</a:t>
+            </a:r>
+          </a:p>
+          <a:p>
+            <a:pPr lvl="1">
+              <a:lnSpc>
+                <a:spcPct val="90000"/>
+              </a:lnSpc>
+              <a:buFont typeface="Wingdings" pitchFamily="-84" charset="2"/>
+              <a:buNone/>
+            </a:pPr>
+            <a:r>
+              <a:rPr lang="en-US" sz="1600" dirty="0" err="1">
+                <a:latin typeface="Courier New"/>
+                <a:ea typeface="Times New Roman" pitchFamily="-84" charset="0"/>
+                <a:cs typeface="Courier New"/>
+              </a:rPr>
+              <a:t>notify_the_authorities</a:t>
+            </a:r>
+            <a:r>
+              <a:rPr lang="en-US" sz="1600" dirty="0">
+                <a:latin typeface="Courier New"/>
+                <a:ea typeface="Times New Roman" pitchFamily="-84" charset="0"/>
+                <a:cs typeface="Courier New"/>
+              </a:rPr>
+              <a:t>(s, who, </a:t>
+            </a:r>
+            <a:r>
+              <a:rPr lang="en-US" sz="1600" dirty="0" err="1">
+                <a:latin typeface="Courier New"/>
+                <a:ea typeface="Times New Roman" pitchFamily="-84" charset="0"/>
+                <a:cs typeface="Courier New"/>
+              </a:rPr>
+              <a:t>howbig</a:t>
+            </a:r>
+            <a:r>
+              <a:rPr lang="en-US" sz="1600" dirty="0">
+                <a:latin typeface="Courier New"/>
+                <a:ea typeface="Times New Roman" pitchFamily="-84" charset="0"/>
+                <a:cs typeface="Courier New"/>
+              </a:rPr>
+              <a:t>);</a:t>
+            </a:r>
+          </a:p>
+          <a:p>
+            <a:pPr lvl="1">
+              <a:lnSpc>
+                <a:spcPct val="90000"/>
+              </a:lnSpc>
+              <a:buFont typeface="Wingdings" pitchFamily="-84" charset="2"/>
+              <a:buNone/>
+            </a:pPr>
+            <a:r>
+              <a:rPr lang="en-US" sz="1600" dirty="0">
+                <a:latin typeface="Courier New"/>
+                <a:ea typeface="Times New Roman" pitchFamily="-84" charset="0"/>
+                <a:cs typeface="Courier New"/>
+              </a:rPr>
+              <a:t>close(s);</a:t>
+            </a:r>
+          </a:p>
+          <a:p>
+            <a:pPr>
+              <a:lnSpc>
+                <a:spcPct val="90000"/>
+              </a:lnSpc>
+              <a:buFont typeface="Wingdings" pitchFamily="-84" charset="2"/>
+              <a:buNone/>
+            </a:pPr>
+            <a:r>
+              <a:rPr lang="en-US" sz="1800" dirty="0">
+                <a:latin typeface="Courier New"/>
+                <a:ea typeface="Times New Roman" pitchFamily="-84" charset="0"/>
+                <a:cs typeface="Courier New"/>
+              </a:rPr>
+              <a:t>}</a:t>
+            </a:r>
+            <a:br>
+              <a:rPr lang="en-US" sz="1800" dirty="0">
+                <a:latin typeface="Courier New"/>
+                <a:ea typeface="Times New Roman" pitchFamily="-84" charset="0"/>
+                <a:cs typeface="Courier New"/>
+              </a:rPr>
+            </a:br>
+            <a:endParaRPr lang="en-US" sz="1800" dirty="0">
+              <a:latin typeface="Courier New"/>
+              <a:ea typeface="Times New Roman" pitchFamily="-84" charset="0"/>
+              <a:cs typeface="Courier New"/>
+            </a:endParaRPr>
+          </a:p>
+          <a:p>
+            <a:pPr>
+              <a:lnSpc>
+                <a:spcPct val="90000"/>
+              </a:lnSpc>
+            </a:pPr>
+            <a:r>
+              <a:rPr lang="en-US" sz="2400" dirty="0">
                 <a:ea typeface="Times New Roman" pitchFamily="-84" charset="0"/>
                 <a:cs typeface="Times New Roman" pitchFamily="-84" charset="0"/>
               </a:rPr>
-              <a:t>Constantly capture packets, watch logs, note typical flows</a:t>
-            </a:r>
-          </a:p>
-          <a:p>
-            <a:pPr lvl="1"/>
-            <a:r>
-              <a:rPr lang="en-US" dirty="0">
+              <a:t>This won’t catch stealth scanners</a:t>
+            </a:r>
+          </a:p>
+          <a:p>
+            <a:pPr>
+              <a:lnSpc>
+                <a:spcPct val="90000"/>
+              </a:lnSpc>
+            </a:pPr>
+            <a:r>
+              <a:rPr lang="en-US" sz="2400" dirty="0">
                 <a:ea typeface="Times New Roman" pitchFamily="-84" charset="0"/>
                 <a:cs typeface="Times New Roman" pitchFamily="-84" charset="0"/>
               </a:rPr>
-              <a:t>“95% of traffic flows from inside the firewall to outside web services”</a:t>
-            </a:r>
-          </a:p>
-          <a:p>
-            <a:pPr lvl="1"/>
-            <a:r>
-              <a:rPr lang="en-US" dirty="0">
+              <a:t>Doesn’t have a global view</a:t>
+            </a:r>
+          </a:p>
+          <a:p>
+            <a:pPr>
+              <a:lnSpc>
+                <a:spcPct val="90000"/>
+              </a:lnSpc>
+            </a:pPr>
+            <a:r>
+              <a:rPr lang="en-US" sz="2400" dirty="0">
                 <a:ea typeface="Times New Roman" pitchFamily="-84" charset="0"/>
                 <a:cs typeface="Times New Roman" pitchFamily="-84" charset="0"/>
               </a:rPr>
-              <a:t>Trigger alarms when traffic not matching typical flows is seen</a:t>
-            </a:r>
-          </a:p>
-          <a:p>
-            <a:pPr lvl="1"/>
-            <a:r>
-              <a:rPr lang="en-US" dirty="0">
+              <a:t>Can’t detect attacks on systems in use</a:t>
+            </a:r>
+          </a:p>
+          <a:p>
+            <a:pPr>
+              <a:lnSpc>
+                <a:spcPct val="90000"/>
+              </a:lnSpc>
+            </a:pPr>
+            <a:r>
+              <a:rPr lang="en-US" sz="2400" dirty="0">
                 <a:ea typeface="Times New Roman" pitchFamily="-84" charset="0"/>
                 <a:cs typeface="Times New Roman" pitchFamily="-84" charset="0"/>
               </a:rPr>
-              <a:t>Can be a first alert against configuration problems</a:t>
-            </a:r>
-          </a:p>
-          <a:p>
-            <a:pPr lvl="1"/>
-            <a:endParaRPr lang="en-US" dirty="0">
-              <a:ea typeface="Times New Roman" pitchFamily="-84" charset="0"/>
-              <a:cs typeface="Times New Roman" pitchFamily="-84" charset="0"/>
-            </a:endParaRPr>
-          </a:p>
-          <a:p>
-            <a:r>
-              <a:rPr lang="en-US" dirty="0">
-                <a:ea typeface="Times New Roman" pitchFamily="-84" charset="0"/>
-                <a:cs typeface="Times New Roman" pitchFamily="-84" charset="0"/>
-              </a:rPr>
-              <a:t>Tends to rely on a more global view</a:t>
+              <a:t>Surprisingly effective at catching scans nonetheless</a:t>
+            </a:r>
+            <a:r>
+              <a:rPr lang="en-US" sz="2400" dirty="0"/>
+              <a:t> </a:t>
             </a:r>
           </a:p>
         </p:txBody>
@@ -5917,7 +6194,7 @@
     </p:spTree>
     <p:extLst>
       <p:ext uri="{BB962C8B-B14F-4D97-AF65-F5344CB8AC3E}">
-        <p14:creationId xmlns:p14="http://schemas.microsoft.com/office/powerpoint/2010/main" val="2084617690"/>
+        <p14:creationId xmlns:p14="http://schemas.microsoft.com/office/powerpoint/2010/main" val="3969572435"/>
       </p:ext>
     </p:extLst>
   </p:cSld>
@@ -5946,7 +6223,7 @@
       </p:grpSpPr>
       <p:sp>
         <p:nvSpPr>
-          <p:cNvPr id="1709058" name="Rectangle 2"/>
+          <p:cNvPr id="1708034" name="Rectangle 2"/>
           <p:cNvSpPr>
             <a:spLocks noGrp="1" noChangeArrowheads="1"/>
           </p:cNvSpPr>
@@ -5960,15 +6237,18 @@
           <a:lstStyle/>
           <a:p>
             <a:r>
-              <a:rPr lang="en-US" dirty="0"/>
-              <a:t>Rule-based Systems</a:t>
-            </a:r>
-          </a:p>
-        </p:txBody>
-      </p:sp>
-      <p:sp>
-        <p:nvSpPr>
-          <p:cNvPr id="1709059" name="Rectangle 3"/>
+              <a:rPr lang="en-US" dirty="0">
+                <a:ea typeface="Times New Roman" pitchFamily="-84" charset="0"/>
+                <a:cs typeface="Times New Roman" pitchFamily="-84" charset="0"/>
+              </a:rPr>
+              <a:t>Statistical Analysis</a:t>
+            </a:r>
+          </a:p>
+        </p:txBody>
+      </p:sp>
+      <p:sp>
+        <p:nvSpPr>
+          <p:cNvPr id="1708035" name="Rectangle 3"/>
           <p:cNvSpPr>
             <a:spLocks noGrp="1" noChangeArrowheads="1"/>
           </p:cNvSpPr>
@@ -5984,47 +6264,65 @@
           <a:lstStyle/>
           <a:p>
             <a:r>
-              <a:rPr lang="en-US" dirty="0"/>
-              <a:t>Monitor logs and network for behavior violating or matching static rules</a:t>
-            </a:r>
-            <a:br>
-              <a:rPr lang="en-US" dirty="0"/>
-            </a:br>
-            <a:endParaRPr lang="en-US" dirty="0"/>
-          </a:p>
-          <a:p>
-            <a:r>
-              <a:rPr lang="en-US" dirty="0"/>
-              <a:t>Require some knowledge of attack behaviors</a:t>
-            </a:r>
-          </a:p>
-          <a:p>
-            <a:endParaRPr lang="en-US" dirty="0"/>
-          </a:p>
-          <a:p>
-            <a:r>
-              <a:rPr lang="en-US" dirty="0"/>
-              <a:t>Less prone to false alarms</a:t>
-            </a:r>
-          </a:p>
-          <a:p>
-            <a:endParaRPr lang="en-US" dirty="0"/>
-          </a:p>
-          <a:p>
-            <a:r>
-              <a:rPr lang="en-US" dirty="0"/>
-              <a:t>Often combined with anomaly detectors </a:t>
-            </a:r>
-          </a:p>
-          <a:p>
-            <a:endParaRPr lang="en-US" dirty="0"/>
+              <a:rPr lang="en-US" dirty="0">
+                <a:ea typeface="Times New Roman" pitchFamily="-84" charset="0"/>
+                <a:cs typeface="Times New Roman" pitchFamily="-84" charset="0"/>
+              </a:rPr>
+              <a:t>Constantly capture packets, watch logs, note typical flows</a:t>
+            </a:r>
+          </a:p>
+          <a:p>
+            <a:pPr lvl="1"/>
+            <a:r>
+              <a:rPr lang="en-US" dirty="0">
+                <a:ea typeface="Times New Roman" pitchFamily="-84" charset="0"/>
+                <a:cs typeface="Times New Roman" pitchFamily="-84" charset="0"/>
+              </a:rPr>
+              <a:t>“95% of traffic flows from inside the firewall to outside web services”</a:t>
+            </a:r>
+          </a:p>
+          <a:p>
+            <a:pPr lvl="1"/>
+            <a:r>
+              <a:rPr lang="en-US" dirty="0">
+                <a:ea typeface="Times New Roman" pitchFamily="-84" charset="0"/>
+                <a:cs typeface="Times New Roman" pitchFamily="-84" charset="0"/>
+              </a:rPr>
+              <a:t>Trigger alarms when traffic not matching typical flows is seen</a:t>
+            </a:r>
+          </a:p>
+          <a:p>
+            <a:pPr lvl="1"/>
+            <a:r>
+              <a:rPr lang="en-US" dirty="0">
+                <a:ea typeface="Times New Roman" pitchFamily="-84" charset="0"/>
+                <a:cs typeface="Times New Roman" pitchFamily="-84" charset="0"/>
+              </a:rPr>
+              <a:t>Can be a first alert against configuration problems</a:t>
+            </a:r>
+          </a:p>
+          <a:p>
+            <a:pPr lvl="1"/>
+            <a:endParaRPr lang="en-US" dirty="0">
+              <a:ea typeface="Times New Roman" pitchFamily="-84" charset="0"/>
+              <a:cs typeface="Times New Roman" pitchFamily="-84" charset="0"/>
+            </a:endParaRPr>
+          </a:p>
+          <a:p>
+            <a:r>
+              <a:rPr lang="en-US" dirty="0">
+                <a:ea typeface="Times New Roman" pitchFamily="-84" charset="0"/>
+                <a:cs typeface="Times New Roman" pitchFamily="-84" charset="0"/>
+              </a:rPr>
+              <a:t>Tends to rely on a more global view</a:t>
+            </a:r>
           </a:p>
         </p:txBody>
       </p:sp>
     </p:spTree>
     <p:extLst>
       <p:ext uri="{BB962C8B-B14F-4D97-AF65-F5344CB8AC3E}">
-        <p14:creationId xmlns:p14="http://schemas.microsoft.com/office/powerpoint/2010/main" val="3964811306"/>
+        <p14:creationId xmlns:p14="http://schemas.microsoft.com/office/powerpoint/2010/main" val="2084617690"/>
       </p:ext>
     </p:extLst>
   </p:cSld>

--- a/module-3/ppt/3.1-Intrusion Detection Systems.pptx
+++ b/module-3/ppt/3.1-Intrusion Detection Systems.pptx
@@ -21,12 +21,12 @@
     <p:sldId id="263" r:id="rId12"/>
     <p:sldId id="264" r:id="rId13"/>
     <p:sldId id="265" r:id="rId14"/>
-    <p:sldId id="266" r:id="rId15"/>
-    <p:sldId id="267" r:id="rId16"/>
-    <p:sldId id="268" r:id="rId17"/>
-    <p:sldId id="269" r:id="rId18"/>
-    <p:sldId id="270" r:id="rId19"/>
-    <p:sldId id="2613" r:id="rId20"/>
+    <p:sldId id="267" r:id="rId15"/>
+    <p:sldId id="268" r:id="rId16"/>
+    <p:sldId id="269" r:id="rId17"/>
+    <p:sldId id="270" r:id="rId18"/>
+    <p:sldId id="2613" r:id="rId19"/>
+    <p:sldId id="266" r:id="rId20"/>
   </p:sldIdLst>
   <p:sldSz cx="12192000" cy="6858000"/>
   <p:notesSz cx="6858000" cy="9144000"/>
@@ -688,7 +688,7 @@
             <a:fld id="{0C0E275E-A216-904D-9D69-19F31E9E9CDF}" type="slidenum">
               <a:rPr lang="en-US" smtClean="0"/>
               <a:pPr/>
-              <a:t>13</a:t>
+              <a:t>18</a:t>
             </a:fld>
             <a:endParaRPr lang="en-US"/>
           </a:p>
@@ -697,7 +697,7 @@
     </p:spTree>
     <p:extLst>
       <p:ext uri="{BB962C8B-B14F-4D97-AF65-F5344CB8AC3E}">
-        <p14:creationId xmlns:p14="http://schemas.microsoft.com/office/powerpoint/2010/main" val="3927528550"/>
+        <p14:creationId xmlns:p14="http://schemas.microsoft.com/office/powerpoint/2010/main" val="1800110120"/>
       </p:ext>
     </p:extLst>
   </p:cSld>
@@ -4857,60 +4857,6 @@
       </p:grpSpPr>
       <p:pic>
         <p:nvPicPr>
-          <p:cNvPr id="3" name="Picture 2"/>
-          <p:cNvPicPr>
-            <a:picLocks noChangeAspect="1"/>
-          </p:cNvPicPr>
-          <p:nvPr/>
-        </p:nvPicPr>
-        <p:blipFill>
-          <a:blip r:embed="rId3"/>
-          <a:stretch>
-            <a:fillRect/>
-          </a:stretch>
-        </p:blipFill>
-        <p:spPr>
-          <a:xfrm>
-            <a:off x="1524000" y="1397000"/>
-            <a:ext cx="9144000" cy="4062112"/>
-          </a:xfrm>
-          <a:prstGeom prst="rect">
-            <a:avLst/>
-          </a:prstGeom>
-        </p:spPr>
-      </p:pic>
-    </p:spTree>
-    <p:extLst>
-      <p:ext uri="{BB962C8B-B14F-4D97-AF65-F5344CB8AC3E}">
-        <p14:creationId xmlns:p14="http://schemas.microsoft.com/office/powerpoint/2010/main" val="3092676184"/>
-      </p:ext>
-    </p:extLst>
-  </p:cSld>
-  <p:clrMapOvr>
-    <a:masterClrMapping/>
-  </p:clrMapOvr>
-</p:sld>
-</file>
-
-<file path=ppt/slides/slide14.xml><?xml version="1.0" encoding="utf-8"?>
-<p:sld xmlns:a="http://schemas.openxmlformats.org/drawingml/2006/main" xmlns:r="http://schemas.openxmlformats.org/officeDocument/2006/relationships" xmlns:p="http://schemas.openxmlformats.org/presentationml/2006/main">
-  <p:cSld>
-    <p:spTree>
-      <p:nvGrpSpPr>
-        <p:cNvPr id="1" name=""/>
-        <p:cNvGrpSpPr/>
-        <p:nvPr/>
-      </p:nvGrpSpPr>
-      <p:grpSpPr>
-        <a:xfrm>
-          <a:off x="0" y="0"/>
-          <a:ext cx="0" cy="0"/>
-          <a:chOff x="0" y="0"/>
-          <a:chExt cx="0" cy="0"/>
-        </a:xfrm>
-      </p:grpSpPr>
-      <p:pic>
-        <p:nvPicPr>
           <p:cNvPr id="2" name="Picture 1"/>
           <p:cNvPicPr>
             <a:picLocks noChangeAspect="1"/>
@@ -4946,7 +4892,7 @@
 </p:sld>
 </file>
 
-<file path=ppt/slides/slide15.xml><?xml version="1.0" encoding="utf-8"?>
+<file path=ppt/slides/slide14.xml><?xml version="1.0" encoding="utf-8"?>
 <p:sld xmlns:a="http://schemas.openxmlformats.org/drawingml/2006/main" xmlns:r="http://schemas.openxmlformats.org/officeDocument/2006/relationships" xmlns:p="http://schemas.openxmlformats.org/presentationml/2006/main">
   <p:cSld>
     <p:spTree>
@@ -5000,7 +4946,7 @@
 </p:sld>
 </file>
 
-<file path=ppt/slides/slide16.xml><?xml version="1.0" encoding="utf-8"?>
+<file path=ppt/slides/slide15.xml><?xml version="1.0" encoding="utf-8"?>
 <p:sld xmlns:a="http://schemas.openxmlformats.org/drawingml/2006/main" xmlns:r="http://schemas.openxmlformats.org/officeDocument/2006/relationships" xmlns:p="http://schemas.openxmlformats.org/presentationml/2006/main">
   <p:cSld>
     <p:spTree>
@@ -5054,7 +5000,7 @@
 </p:sld>
 </file>
 
-<file path=ppt/slides/slide17.xml><?xml version="1.0" encoding="utf-8"?>
+<file path=ppt/slides/slide16.xml><?xml version="1.0" encoding="utf-8"?>
 <p:sld xmlns:a="http://schemas.openxmlformats.org/drawingml/2006/main" xmlns:r="http://schemas.openxmlformats.org/officeDocument/2006/relationships" xmlns:p="http://schemas.openxmlformats.org/presentationml/2006/main">
   <p:cSld>
     <p:spTree>
@@ -5108,6 +5054,109 @@
 </p:sld>
 </file>
 
+<file path=ppt/slides/slide17.xml><?xml version="1.0" encoding="utf-8"?>
+<p:sld xmlns:a="http://schemas.openxmlformats.org/drawingml/2006/main" xmlns:r="http://schemas.openxmlformats.org/officeDocument/2006/relationships" xmlns:p="http://schemas.openxmlformats.org/presentationml/2006/main">
+  <p:cSld>
+    <p:spTree>
+      <p:nvGrpSpPr>
+        <p:cNvPr id="1" name=""/>
+        <p:cNvGrpSpPr/>
+        <p:nvPr/>
+      </p:nvGrpSpPr>
+      <p:grpSpPr>
+        <a:xfrm>
+          <a:off x="0" y="0"/>
+          <a:ext cx="0" cy="0"/>
+          <a:chOff x="0" y="0"/>
+          <a:chExt cx="0" cy="0"/>
+        </a:xfrm>
+      </p:grpSpPr>
+      <p:sp>
+        <p:nvSpPr>
+          <p:cNvPr id="3" name="Title 2">
+            <a:extLst>
+              <a:ext uri="{FF2B5EF4-FFF2-40B4-BE49-F238E27FC236}">
+                <a16:creationId xmlns:a16="http://schemas.microsoft.com/office/drawing/2014/main" id="{6BC2541E-B027-D546-BC67-295DECE1A920}"/>
+              </a:ext>
+            </a:extLst>
+          </p:cNvPr>
+          <p:cNvSpPr>
+            <a:spLocks noGrp="1"/>
+          </p:cNvSpPr>
+          <p:nvPr>
+            <p:ph type="ctrTitle"/>
+          </p:nvPr>
+        </p:nvSpPr>
+        <p:spPr/>
+        <p:txBody>
+          <a:bodyPr/>
+          <a:lstStyle/>
+          <a:p>
+            <a:r>
+              <a:rPr lang="en-US" dirty="0"/>
+              <a:t>Demonstration:</a:t>
+            </a:r>
+            <a:br>
+              <a:rPr lang="en-US" dirty="0"/>
+            </a:br>
+            <a:r>
+              <a:rPr lang="en-US"/>
+              <a:t>Zeek</a:t>
+            </a:r>
+            <a:endParaRPr lang="en-US" dirty="0"/>
+          </a:p>
+        </p:txBody>
+      </p:sp>
+      <p:sp>
+        <p:nvSpPr>
+          <p:cNvPr id="2" name="Slide Number Placeholder 1">
+            <a:extLst>
+              <a:ext uri="{FF2B5EF4-FFF2-40B4-BE49-F238E27FC236}">
+                <a16:creationId xmlns:a16="http://schemas.microsoft.com/office/drawing/2014/main" id="{C662E3AF-0553-B74A-87BF-BFDAA5FA979C}"/>
+              </a:ext>
+            </a:extLst>
+          </p:cNvPr>
+          <p:cNvSpPr>
+            <a:spLocks noGrp="1"/>
+          </p:cNvSpPr>
+          <p:nvPr>
+            <p:ph type="sldNum" sz="quarter" idx="4294967295"/>
+          </p:nvPr>
+        </p:nvSpPr>
+        <p:spPr>
+          <a:xfrm>
+            <a:off x="9345613" y="6380163"/>
+            <a:ext cx="2846387" cy="365125"/>
+          </a:xfrm>
+          <a:prstGeom prst="rect">
+            <a:avLst/>
+          </a:prstGeom>
+        </p:spPr>
+        <p:txBody>
+          <a:bodyPr/>
+          <a:lstStyle/>
+          <a:p>
+            <a:fld id="{D7AA6054-60FB-8048-98AD-326CDDBBD22D}" type="slidenum">
+              <a:rPr lang="en-US" smtClean="0"/>
+              <a:t>17</a:t>
+            </a:fld>
+            <a:endParaRPr lang="en-US"/>
+          </a:p>
+        </p:txBody>
+      </p:sp>
+    </p:spTree>
+    <p:extLst>
+      <p:ext uri="{BB962C8B-B14F-4D97-AF65-F5344CB8AC3E}">
+        <p14:creationId xmlns:p14="http://schemas.microsoft.com/office/powerpoint/2010/main" val="922093365"/>
+      </p:ext>
+    </p:extLst>
+  </p:cSld>
+  <p:clrMapOvr>
+    <a:masterClrMapping/>
+  </p:clrMapOvr>
+</p:sld>
+</file>
+
 <file path=ppt/slides/slide18.xml><?xml version="1.0" encoding="utf-8"?>
 <p:sld xmlns:a="http://schemas.openxmlformats.org/drawingml/2006/main" xmlns:r="http://schemas.openxmlformats.org/officeDocument/2006/relationships" xmlns:p="http://schemas.openxmlformats.org/presentationml/2006/main">
   <p:cSld>
@@ -5125,83 +5174,34 @@
           <a:chExt cx="0" cy="0"/>
         </a:xfrm>
       </p:grpSpPr>
-      <p:sp>
-        <p:nvSpPr>
-          <p:cNvPr id="3" name="Title 2">
-            <a:extLst>
-              <a:ext uri="{FF2B5EF4-FFF2-40B4-BE49-F238E27FC236}">
-                <a16:creationId xmlns:a16="http://schemas.microsoft.com/office/drawing/2014/main" id="{6BC2541E-B027-D546-BC67-295DECE1A920}"/>
-              </a:ext>
-            </a:extLst>
-          </p:cNvPr>
-          <p:cNvSpPr>
-            <a:spLocks noGrp="1"/>
-          </p:cNvSpPr>
-          <p:nvPr>
-            <p:ph type="ctrTitle"/>
-          </p:nvPr>
-        </p:nvSpPr>
-        <p:spPr/>
-        <p:txBody>
-          <a:bodyPr/>
-          <a:lstStyle/>
-          <a:p>
-            <a:r>
-              <a:rPr lang="en-US" dirty="0"/>
-              <a:t>Demonstration:</a:t>
-            </a:r>
-            <a:br>
-              <a:rPr lang="en-US" dirty="0"/>
-            </a:br>
-            <a:r>
-              <a:rPr lang="en-US"/>
-              <a:t>Zeek</a:t>
-            </a:r>
-            <a:endParaRPr lang="en-US" dirty="0"/>
-          </a:p>
-        </p:txBody>
-      </p:sp>
-      <p:sp>
-        <p:nvSpPr>
-          <p:cNvPr id="2" name="Slide Number Placeholder 1">
-            <a:extLst>
-              <a:ext uri="{FF2B5EF4-FFF2-40B4-BE49-F238E27FC236}">
-                <a16:creationId xmlns:a16="http://schemas.microsoft.com/office/drawing/2014/main" id="{C662E3AF-0553-B74A-87BF-BFDAA5FA979C}"/>
-              </a:ext>
-            </a:extLst>
-          </p:cNvPr>
-          <p:cNvSpPr>
-            <a:spLocks noGrp="1"/>
-          </p:cNvSpPr>
-          <p:nvPr>
-            <p:ph type="sldNum" sz="quarter" idx="4294967295"/>
-          </p:nvPr>
-        </p:nvSpPr>
+      <p:pic>
+        <p:nvPicPr>
+          <p:cNvPr id="3" name="Picture 2"/>
+          <p:cNvPicPr>
+            <a:picLocks noChangeAspect="1"/>
+          </p:cNvPicPr>
+          <p:nvPr/>
+        </p:nvPicPr>
+        <p:blipFill>
+          <a:blip r:embed="rId3"/>
+          <a:stretch>
+            <a:fillRect/>
+          </a:stretch>
+        </p:blipFill>
         <p:spPr>
           <a:xfrm>
-            <a:off x="9345613" y="6380163"/>
-            <a:ext cx="2846387" cy="365125"/>
+            <a:off x="1524000" y="1397000"/>
+            <a:ext cx="9144000" cy="4062112"/>
           </a:xfrm>
           <a:prstGeom prst="rect">
             <a:avLst/>
           </a:prstGeom>
         </p:spPr>
-        <p:txBody>
-          <a:bodyPr/>
-          <a:lstStyle/>
-          <a:p>
-            <a:fld id="{D7AA6054-60FB-8048-98AD-326CDDBBD22D}" type="slidenum">
-              <a:rPr lang="en-US" smtClean="0"/>
-              <a:t>18</a:t>
-            </a:fld>
-            <a:endParaRPr lang="en-US"/>
-          </a:p>
-        </p:txBody>
-      </p:sp>
+      </p:pic>
     </p:spTree>
     <p:extLst>
       <p:ext uri="{BB962C8B-B14F-4D97-AF65-F5344CB8AC3E}">
-        <p14:creationId xmlns:p14="http://schemas.microsoft.com/office/powerpoint/2010/main" val="1400799986"/>
+        <p14:creationId xmlns:p14="http://schemas.microsoft.com/office/powerpoint/2010/main" val="1592973518"/>
       </p:ext>
     </p:extLst>
   </p:cSld>
@@ -5365,13 +5365,8 @@
             </a:r>
             <a:r>
               <a:rPr lang="en-US" dirty="0"/>
-              <a:t>, Snort, etc.) and how they can be applied to attack </a:t>
-            </a:r>
-            <a:r>
-              <a:rPr lang="en-US"/>
-              <a:t>detection.</a:t>
-            </a:r>
-            <a:endParaRPr lang="en-US" dirty="0"/>
+              <a:t>, Snort, etc.) and how they can be applied to attack detection.</a:t>
+            </a:r>
           </a:p>
           <a:p>
             <a:endParaRPr lang="en-US" dirty="0"/>
@@ -5674,15 +5669,10 @@
             <a:spLocks noGrp="1" noChangeArrowheads="1"/>
           </p:cNvSpPr>
           <p:nvPr>
-            <p:ph type="title" idx="4294967295"/>
+            <p:ph type="title"/>
           </p:nvPr>
         </p:nvSpPr>
-        <p:spPr>
-          <a:xfrm>
-            <a:off x="0" y="0"/>
-            <a:ext cx="10515600" cy="1325563"/>
-          </a:xfrm>
-        </p:spPr>
+        <p:spPr/>
         <p:txBody>
           <a:bodyPr/>
           <a:lstStyle/>
@@ -5701,15 +5691,10 @@
             <a:spLocks noGrp="1" noChangeArrowheads="1"/>
           </p:cNvSpPr>
           <p:nvPr>
-            <p:ph idx="4294967295"/>
+            <p:ph idx="1"/>
           </p:nvPr>
         </p:nvSpPr>
-        <p:spPr>
-          <a:xfrm>
-            <a:off x="0" y="1543050"/>
-            <a:ext cx="10515600" cy="4157663"/>
-          </a:xfrm>
-        </p:spPr>
+        <p:spPr/>
         <p:txBody>
           <a:bodyPr/>
           <a:lstStyle/>
